--- a/CSharp/씨샵피피티/6단원.pptx
+++ b/CSharp/씨샵피피티/6단원.pptx
@@ -278,7 +278,7 @@
             <a:fld id="{DC87C3E9-2372-4D2D-A8FE-578D26F0CAB8}" type="datetimeFigureOut">
               <a:rPr lang="ko-KR" altLang="en-US" smtClean="0"/>
               <a:pPr/>
-              <a:t>2020-05-25</a:t>
+              <a:t>2023-10-31</a:t>
             </a:fld>
             <a:endParaRPr lang="ko-KR" altLang="en-US"/>
           </a:p>
@@ -445,7 +445,7 @@
             <a:fld id="{05BC3899-2E4F-4D3A-8D29-BF4BDDE21DE2}" type="datetimeFigureOut">
               <a:rPr lang="ko-KR" altLang="en-US" smtClean="0"/>
               <a:pPr/>
-              <a:t>2020-05-25</a:t>
+              <a:t>2023-10-31</a:t>
             </a:fld>
             <a:endParaRPr lang="ko-KR" altLang="en-US"/>
           </a:p>
@@ -5098,7 +5098,7 @@
             <a:fld id="{4B2FD9B6-DC5A-4644-B01F-335E6DD2CDD1}" type="datetimeFigureOut">
               <a:rPr lang="ko-KR" altLang="en-US" smtClean="0"/>
               <a:pPr/>
-              <a:t>2020-05-25</a:t>
+              <a:t>2023-10-31</a:t>
             </a:fld>
             <a:endParaRPr lang="ko-KR" altLang="en-US" dirty="0"/>
           </a:p>
@@ -14181,7 +14181,19 @@
             </a:r>
             <a:r>
               <a:rPr lang="en-US" altLang="ko-KR" sz="2000" dirty="0"/>
-              <a:t>Call by Value And reference by Value(</a:t>
+              <a:t>Call by Value And </a:t>
+            </a:r>
+            <a:r>
+              <a:rPr lang="en-US" altLang="ko-KR" sz="2000" dirty="0" smtClean="0"/>
+              <a:t>Call </a:t>
+            </a:r>
+            <a:r>
+              <a:rPr lang="en-US" altLang="ko-KR" sz="2000"/>
+              <a:t>by </a:t>
+            </a:r>
+            <a:r>
+              <a:rPr lang="en-US" altLang="ko-KR" sz="2000" smtClean="0"/>
+              <a:t>Reference(</a:t>
             </a:r>
             <a:r>
               <a:rPr lang="ko-KR" altLang="en-US" sz="2000" dirty="0"/>

--- a/CSharp/씨샵피피티/6단원.pptx
+++ b/CSharp/씨샵피피티/6단원.pptx
@@ -18837,6 +18837,13 @@
   <p:clrMapOvr>
     <a:masterClrMapping/>
   </p:clrMapOvr>
+  <p:timing>
+    <p:tnLst>
+      <p:par>
+        <p:cTn id="1" dur="indefinite" restart="never" nodeType="tmRoot"/>
+      </p:par>
+    </p:tnLst>
+  </p:timing>
 </p:sld>
 </file>
 
@@ -19015,6 +19022,13 @@
   <p:clrMapOvr>
     <a:masterClrMapping/>
   </p:clrMapOvr>
+  <p:timing>
+    <p:tnLst>
+      <p:par>
+        <p:cTn id="1" dur="indefinite" restart="never" nodeType="tmRoot"/>
+      </p:par>
+    </p:tnLst>
+  </p:timing>
 </p:sld>
 </file>
 
@@ -19213,6 +19227,13 @@
   <p:clrMapOvr>
     <a:masterClrMapping/>
   </p:clrMapOvr>
+  <p:timing>
+    <p:tnLst>
+      <p:par>
+        <p:cTn id="1" dur="indefinite" restart="never" nodeType="tmRoot"/>
+      </p:par>
+    </p:tnLst>
+  </p:timing>
 </p:sld>
 </file>
 
@@ -19359,6 +19380,13 @@
   <p:clrMapOvr>
     <a:masterClrMapping/>
   </p:clrMapOvr>
+  <p:timing>
+    <p:tnLst>
+      <p:par>
+        <p:cTn id="1" dur="indefinite" restart="never" nodeType="tmRoot"/>
+      </p:par>
+    </p:tnLst>
+  </p:timing>
 </p:sld>
 </file>
 
@@ -19763,6 +19791,13 @@
   <p:clrMapOvr>
     <a:masterClrMapping/>
   </p:clrMapOvr>
+  <p:timing>
+    <p:tnLst>
+      <p:par>
+        <p:cTn id="1" dur="indefinite" restart="never" nodeType="tmRoot"/>
+      </p:par>
+    </p:tnLst>
+  </p:timing>
 </p:sld>
 </file>
 
@@ -20002,6 +20037,13 @@
   <p:clrMapOvr>
     <a:masterClrMapping/>
   </p:clrMapOvr>
+  <p:timing>
+    <p:tnLst>
+      <p:par>
+        <p:cTn id="1" dur="indefinite" restart="never" nodeType="tmRoot"/>
+      </p:par>
+    </p:tnLst>
+  </p:timing>
 </p:sld>
 </file>
 
@@ -20161,6 +20203,13 @@
   <p:clrMapOvr>
     <a:masterClrMapping/>
   </p:clrMapOvr>
+  <p:timing>
+    <p:tnLst>
+      <p:par>
+        <p:cTn id="1" dur="indefinite" restart="never" nodeType="tmRoot"/>
+      </p:par>
+    </p:tnLst>
+  </p:timing>
 </p:sld>
 </file>
 
@@ -20450,6 +20499,13 @@
   <p:clrMapOvr>
     <a:masterClrMapping/>
   </p:clrMapOvr>
+  <p:timing>
+    <p:tnLst>
+      <p:par>
+        <p:cTn id="1" dur="indefinite" restart="never" nodeType="tmRoot"/>
+      </p:par>
+    </p:tnLst>
+  </p:timing>
 </p:sld>
 </file>
 
@@ -20483,6 +20539,13 @@
   <p:clrMapOvr>
     <a:masterClrMapping/>
   </p:clrMapOvr>
+  <p:timing>
+    <p:tnLst>
+      <p:par>
+        <p:cTn id="1" dur="indefinite" restart="never" nodeType="tmRoot"/>
+      </p:par>
+    </p:tnLst>
+  </p:timing>
 </p:sld>
 </file>
 
